--- a/学习计划.pptx
+++ b/学习计划.pptx
@@ -4894,7 +4894,7 @@
           <p:nvPr>
             <p:extLst>
               <p:ext uri="{D42A27DB-BD31-4B8C-83A1-F6EECF244321}">
-                <p14:modId xmlns:p14="http://schemas.microsoft.com/office/powerpoint/2010/main" val="1369856617"/>
+                <p14:modId xmlns:p14="http://schemas.microsoft.com/office/powerpoint/2010/main" val="2614239948"/>
               </p:ext>
             </p:extLst>
           </p:nvPr>
@@ -5443,10 +5443,7 @@
                   </a:txBody>
                   <a:tcPr>
                     <a:solidFill>
-                      <a:schemeClr val="accent2">
-                        <a:lumMod val="60000"/>
-                        <a:lumOff val="40000"/>
-                      </a:schemeClr>
+                      <a:srgbClr val="FFD966"/>
                     </a:solidFill>
                   </a:tcPr>
                 </a:tc>
@@ -5503,10 +5500,7 @@
                   </a:txBody>
                   <a:tcPr>
                     <a:solidFill>
-                      <a:schemeClr val="accent2">
-                        <a:lumMod val="60000"/>
-                        <a:lumOff val="40000"/>
-                      </a:schemeClr>
+                      <a:srgbClr val="FFD966"/>
                     </a:solidFill>
                   </a:tcPr>
                 </a:tc>
